--- a/docs/Figures/PatientWorking.pptx
+++ b/docs/Figures/PatientWorking.pptx
@@ -110,7 +110,7 @@
   </p:defaultTextStyle>
   <p:extLst>
     <p:ext uri="{EFAFB233-063F-42B5-8137-9DF3F51BA10A}">
-      <p15:sldGuideLst xmlns:p15="http://schemas.microsoft.com/office/powerpoint/2012/main" xmlns="">
+      <p15:sldGuideLst xmlns:p15="http://schemas.microsoft.com/office/powerpoint/2012/main">
         <p15:guide id="1" orient="horz" pos="2160">
           <p15:clr>
             <a:srgbClr val="A4A3A4"/>
@@ -209,7 +209,7 @@
           <a:p>
             <a:fld id="{7B126BB8-5932-4ACC-8CD5-328D9DA138C9}" type="datetimeFigureOut">
               <a:rPr lang="en-US" smtClean="0"/>
-              <a:t>12/9/2016</a:t>
+              <a:t>1/6/2020</a:t>
             </a:fld>
             <a:endParaRPr lang="en-US"/>
           </a:p>
@@ -273,38 +273,37 @@
           <a:p>
             <a:pPr lvl="0"/>
             <a:r>
-              <a:rPr lang="en-US" smtClean="0"/>
+              <a:rPr lang="en-US"/>
               <a:t>Click to edit Master text styles</a:t>
             </a:r>
           </a:p>
           <a:p>
             <a:pPr lvl="1"/>
             <a:r>
-              <a:rPr lang="en-US" smtClean="0"/>
+              <a:rPr lang="en-US"/>
               <a:t>Second level</a:t>
             </a:r>
           </a:p>
           <a:p>
             <a:pPr lvl="2"/>
             <a:r>
-              <a:rPr lang="en-US" smtClean="0"/>
+              <a:rPr lang="en-US"/>
               <a:t>Third level</a:t>
             </a:r>
           </a:p>
           <a:p>
             <a:pPr lvl="3"/>
             <a:r>
-              <a:rPr lang="en-US" smtClean="0"/>
+              <a:rPr lang="en-US"/>
               <a:t>Fourth level</a:t>
             </a:r>
           </a:p>
           <a:p>
             <a:pPr lvl="4"/>
             <a:r>
-              <a:rPr lang="en-US" smtClean="0"/>
+              <a:rPr lang="en-US"/>
               <a:t>Fifth level</a:t>
             </a:r>
-            <a:endParaRPr lang="en-US"/>
           </a:p>
         </p:txBody>
       </p:sp>
@@ -515,10 +514,9 @@
           <a:lstStyle/>
           <a:p>
             <a:r>
-              <a:rPr lang="en-US" smtClean="0"/>
+              <a:rPr lang="en-US"/>
               <a:t>Click to edit Master title style</a:t>
             </a:r>
-            <a:endParaRPr lang="en-US"/>
           </a:p>
         </p:txBody>
       </p:sp>
@@ -634,10 +632,9 @@
           </a:lstStyle>
           <a:p>
             <a:r>
-              <a:rPr lang="en-US" smtClean="0"/>
+              <a:rPr lang="en-US"/>
               <a:t>Click to edit Master subtitle style</a:t>
             </a:r>
-            <a:endParaRPr lang="en-US"/>
           </a:p>
         </p:txBody>
       </p:sp>
@@ -658,7 +655,7 @@
           <a:p>
             <a:fld id="{9E9AFD63-10BD-4598-9E1E-9FFECB76D2D7}" type="datetimeFigureOut">
               <a:rPr lang="en-US" smtClean="0"/>
-              <a:t>12/9/2016</a:t>
+              <a:t>1/6/2020</a:t>
             </a:fld>
             <a:endParaRPr lang="en-US"/>
           </a:p>
@@ -752,10 +749,9 @@
           <a:lstStyle/>
           <a:p>
             <a:r>
-              <a:rPr lang="en-US" smtClean="0"/>
+              <a:rPr lang="en-US"/>
               <a:t>Click to edit Master title style</a:t>
             </a:r>
-            <a:endParaRPr lang="en-US"/>
           </a:p>
         </p:txBody>
       </p:sp>
@@ -776,38 +772,37 @@
           <a:p>
             <a:pPr lvl="0"/>
             <a:r>
-              <a:rPr lang="en-US" smtClean="0"/>
+              <a:rPr lang="en-US"/>
               <a:t>Click to edit Master text styles</a:t>
             </a:r>
           </a:p>
           <a:p>
             <a:pPr lvl="1"/>
             <a:r>
-              <a:rPr lang="en-US" smtClean="0"/>
+              <a:rPr lang="en-US"/>
               <a:t>Second level</a:t>
             </a:r>
           </a:p>
           <a:p>
             <a:pPr lvl="2"/>
             <a:r>
-              <a:rPr lang="en-US" smtClean="0"/>
+              <a:rPr lang="en-US"/>
               <a:t>Third level</a:t>
             </a:r>
           </a:p>
           <a:p>
             <a:pPr lvl="3"/>
             <a:r>
-              <a:rPr lang="en-US" smtClean="0"/>
+              <a:rPr lang="en-US"/>
               <a:t>Fourth level</a:t>
             </a:r>
           </a:p>
           <a:p>
             <a:pPr lvl="4"/>
             <a:r>
-              <a:rPr lang="en-US" smtClean="0"/>
+              <a:rPr lang="en-US"/>
               <a:t>Fifth level</a:t>
             </a:r>
-            <a:endParaRPr lang="en-US"/>
           </a:p>
         </p:txBody>
       </p:sp>
@@ -828,7 +823,7 @@
           <a:p>
             <a:fld id="{9E9AFD63-10BD-4598-9E1E-9FFECB76D2D7}" type="datetimeFigureOut">
               <a:rPr lang="en-US" smtClean="0"/>
-              <a:t>12/9/2016</a:t>
+              <a:t>1/6/2020</a:t>
             </a:fld>
             <a:endParaRPr lang="en-US"/>
           </a:p>
@@ -927,10 +922,9 @@
           <a:lstStyle/>
           <a:p>
             <a:r>
-              <a:rPr lang="en-US" smtClean="0"/>
+              <a:rPr lang="en-US"/>
               <a:t>Click to edit Master title style</a:t>
             </a:r>
-            <a:endParaRPr lang="en-US"/>
           </a:p>
         </p:txBody>
       </p:sp>
@@ -956,38 +950,37 @@
           <a:p>
             <a:pPr lvl="0"/>
             <a:r>
-              <a:rPr lang="en-US" smtClean="0"/>
+              <a:rPr lang="en-US"/>
               <a:t>Click to edit Master text styles</a:t>
             </a:r>
           </a:p>
           <a:p>
             <a:pPr lvl="1"/>
             <a:r>
-              <a:rPr lang="en-US" smtClean="0"/>
+              <a:rPr lang="en-US"/>
               <a:t>Second level</a:t>
             </a:r>
           </a:p>
           <a:p>
             <a:pPr lvl="2"/>
             <a:r>
-              <a:rPr lang="en-US" smtClean="0"/>
+              <a:rPr lang="en-US"/>
               <a:t>Third level</a:t>
             </a:r>
           </a:p>
           <a:p>
             <a:pPr lvl="3"/>
             <a:r>
-              <a:rPr lang="en-US" smtClean="0"/>
+              <a:rPr lang="en-US"/>
               <a:t>Fourth level</a:t>
             </a:r>
           </a:p>
           <a:p>
             <a:pPr lvl="4"/>
             <a:r>
-              <a:rPr lang="en-US" smtClean="0"/>
+              <a:rPr lang="en-US"/>
               <a:t>Fifth level</a:t>
             </a:r>
-            <a:endParaRPr lang="en-US"/>
           </a:p>
         </p:txBody>
       </p:sp>
@@ -1008,7 +1001,7 @@
           <a:p>
             <a:fld id="{9E9AFD63-10BD-4598-9E1E-9FFECB76D2D7}" type="datetimeFigureOut">
               <a:rPr lang="en-US" smtClean="0"/>
-              <a:t>12/9/2016</a:t>
+              <a:t>1/6/2020</a:t>
             </a:fld>
             <a:endParaRPr lang="en-US"/>
           </a:p>
@@ -1203,10 +1196,9 @@
           </a:lstStyle>
           <a:p>
             <a:r>
-              <a:rPr lang="en-US" dirty="0" smtClean="0"/>
+              <a:rPr lang="en-US" dirty="0"/>
               <a:t>date</a:t>
             </a:r>
-            <a:endParaRPr lang="en-US" dirty="0"/>
           </a:p>
         </p:txBody>
       </p:sp>
@@ -1370,10 +1362,9 @@
           </a:lstStyle>
           <a:p>
             <a:r>
-              <a:rPr lang="en-US" dirty="0" smtClean="0"/>
+              <a:rPr lang="en-US" dirty="0"/>
               <a:t>Click to edit title</a:t>
             </a:r>
-            <a:endParaRPr lang="en-US" dirty="0"/>
           </a:p>
         </p:txBody>
       </p:sp>
@@ -1462,38 +1453,37 @@
           <a:p>
             <a:pPr lvl="0"/>
             <a:r>
-              <a:rPr lang="en-US" smtClean="0"/>
+              <a:rPr lang="en-US"/>
               <a:t>Click to edit Master text styles</a:t>
             </a:r>
           </a:p>
           <a:p>
             <a:pPr lvl="1"/>
             <a:r>
-              <a:rPr lang="en-US" smtClean="0"/>
+              <a:rPr lang="en-US"/>
               <a:t>Second level</a:t>
             </a:r>
           </a:p>
           <a:p>
             <a:pPr lvl="2"/>
             <a:r>
-              <a:rPr lang="en-US" smtClean="0"/>
+              <a:rPr lang="en-US"/>
               <a:t>Third level</a:t>
             </a:r>
           </a:p>
           <a:p>
             <a:pPr lvl="3"/>
             <a:r>
-              <a:rPr lang="en-US" smtClean="0"/>
+              <a:rPr lang="en-US"/>
               <a:t>Fourth level</a:t>
             </a:r>
           </a:p>
           <a:p>
             <a:pPr lvl="4"/>
             <a:r>
-              <a:rPr lang="en-US" smtClean="0"/>
+              <a:rPr lang="en-US"/>
               <a:t>Fifth level</a:t>
             </a:r>
-            <a:endParaRPr lang="en-US"/>
           </a:p>
         </p:txBody>
       </p:sp>
@@ -1523,7 +1513,7 @@
           <a:lstStyle/>
           <a:p>
             <a:r>
-              <a:rPr lang="en-US" smtClean="0"/>
+              <a:rPr lang="en-US"/>
               <a:t>Click to edit Master title style</a:t>
             </a:r>
             <a:endParaRPr lang="en-US" dirty="0"/>
@@ -1588,7 +1578,7 @@
           </a:lstStyle>
           <a:p>
             <a:r>
-              <a:rPr lang="en-US" smtClean="0"/>
+              <a:rPr lang="en-US"/>
               <a:t>Click to edit Master title style</a:t>
             </a:r>
             <a:endParaRPr lang="en-US" dirty="0"/>
@@ -1711,7 +1701,7 @@
           <a:p>
             <a:pPr lvl="0"/>
             <a:r>
-              <a:rPr lang="en-US" smtClean="0"/>
+              <a:rPr lang="en-US"/>
               <a:t>Click to edit Master text styles</a:t>
             </a:r>
           </a:p>
@@ -1800,35 +1790,35 @@
           <a:p>
             <a:pPr lvl="0"/>
             <a:r>
-              <a:rPr lang="en-US" smtClean="0"/>
+              <a:rPr lang="en-US"/>
               <a:t>Click to edit Master text styles</a:t>
             </a:r>
           </a:p>
           <a:p>
             <a:pPr lvl="1"/>
             <a:r>
-              <a:rPr lang="en-US" smtClean="0"/>
+              <a:rPr lang="en-US"/>
               <a:t>Second level</a:t>
             </a:r>
           </a:p>
           <a:p>
             <a:pPr lvl="2"/>
             <a:r>
-              <a:rPr lang="en-US" smtClean="0"/>
+              <a:rPr lang="en-US"/>
               <a:t>Third level</a:t>
             </a:r>
           </a:p>
           <a:p>
             <a:pPr lvl="3"/>
             <a:r>
-              <a:rPr lang="en-US" smtClean="0"/>
+              <a:rPr lang="en-US"/>
               <a:t>Fourth level</a:t>
             </a:r>
           </a:p>
           <a:p>
             <a:pPr lvl="4"/>
             <a:r>
-              <a:rPr lang="en-US" smtClean="0"/>
+              <a:rPr lang="en-US"/>
               <a:t>Fifth level</a:t>
             </a:r>
             <a:endParaRPr lang="en-US" dirty="0"/>
@@ -1888,38 +1878,37 @@
           <a:p>
             <a:pPr lvl="0"/>
             <a:r>
-              <a:rPr lang="en-US" smtClean="0"/>
+              <a:rPr lang="en-US"/>
               <a:t>Click to edit Master text styles</a:t>
             </a:r>
           </a:p>
           <a:p>
             <a:pPr lvl="1"/>
             <a:r>
-              <a:rPr lang="en-US" smtClean="0"/>
+              <a:rPr lang="en-US"/>
               <a:t>Second level</a:t>
             </a:r>
           </a:p>
           <a:p>
             <a:pPr lvl="2"/>
             <a:r>
-              <a:rPr lang="en-US" smtClean="0"/>
+              <a:rPr lang="en-US"/>
               <a:t>Third level</a:t>
             </a:r>
           </a:p>
           <a:p>
             <a:pPr lvl="3"/>
             <a:r>
-              <a:rPr lang="en-US" smtClean="0"/>
+              <a:rPr lang="en-US"/>
               <a:t>Fourth level</a:t>
             </a:r>
           </a:p>
           <a:p>
             <a:pPr lvl="4"/>
             <a:r>
-              <a:rPr lang="en-US" smtClean="0"/>
+              <a:rPr lang="en-US"/>
               <a:t>Fifth level</a:t>
             </a:r>
-            <a:endParaRPr lang="en-US"/>
           </a:p>
         </p:txBody>
       </p:sp>
@@ -1949,7 +1938,7 @@
           <a:lstStyle/>
           <a:p>
             <a:r>
-              <a:rPr lang="en-US" smtClean="0"/>
+              <a:rPr lang="en-US"/>
               <a:t>Click to edit Master title style</a:t>
             </a:r>
             <a:endParaRPr lang="en-US" dirty="0"/>
@@ -2050,7 +2039,7 @@
           <a:p>
             <a:pPr lvl="0"/>
             <a:r>
-              <a:rPr lang="en-US" smtClean="0"/>
+              <a:rPr lang="en-US"/>
               <a:t>Click to edit Master text styles</a:t>
             </a:r>
           </a:p>
@@ -2109,35 +2098,35 @@
           <a:p>
             <a:pPr lvl="0"/>
             <a:r>
-              <a:rPr lang="en-US" smtClean="0"/>
+              <a:rPr lang="en-US"/>
               <a:t>Click to edit Master text styles</a:t>
             </a:r>
           </a:p>
           <a:p>
             <a:pPr lvl="1"/>
             <a:r>
-              <a:rPr lang="en-US" smtClean="0"/>
+              <a:rPr lang="en-US"/>
               <a:t>Second level</a:t>
             </a:r>
           </a:p>
           <a:p>
             <a:pPr lvl="2"/>
             <a:r>
-              <a:rPr lang="en-US" smtClean="0"/>
+              <a:rPr lang="en-US"/>
               <a:t>Third level</a:t>
             </a:r>
           </a:p>
           <a:p>
             <a:pPr lvl="3"/>
             <a:r>
-              <a:rPr lang="en-US" smtClean="0"/>
+              <a:rPr lang="en-US"/>
               <a:t>Fourth level</a:t>
             </a:r>
           </a:p>
           <a:p>
             <a:pPr lvl="4"/>
             <a:r>
-              <a:rPr lang="en-US" smtClean="0"/>
+              <a:rPr lang="en-US"/>
               <a:t>Fifth level</a:t>
             </a:r>
             <a:endParaRPr lang="en-US" dirty="0"/>
@@ -2208,7 +2197,7 @@
           <a:p>
             <a:pPr lvl="0"/>
             <a:r>
-              <a:rPr lang="en-US" smtClean="0"/>
+              <a:rPr lang="en-US"/>
               <a:t>Click to edit Master text styles</a:t>
             </a:r>
           </a:p>
@@ -2267,38 +2256,37 @@
           <a:p>
             <a:pPr lvl="0"/>
             <a:r>
-              <a:rPr lang="en-US" smtClean="0"/>
+              <a:rPr lang="en-US"/>
               <a:t>Click to edit Master text styles</a:t>
             </a:r>
           </a:p>
           <a:p>
             <a:pPr lvl="1"/>
             <a:r>
-              <a:rPr lang="en-US" smtClean="0"/>
+              <a:rPr lang="en-US"/>
               <a:t>Second level</a:t>
             </a:r>
           </a:p>
           <a:p>
             <a:pPr lvl="2"/>
             <a:r>
-              <a:rPr lang="en-US" smtClean="0"/>
+              <a:rPr lang="en-US"/>
               <a:t>Third level</a:t>
             </a:r>
           </a:p>
           <a:p>
             <a:pPr lvl="3"/>
             <a:r>
-              <a:rPr lang="en-US" smtClean="0"/>
+              <a:rPr lang="en-US"/>
               <a:t>Fourth level</a:t>
             </a:r>
           </a:p>
           <a:p>
             <a:pPr lvl="4"/>
             <a:r>
-              <a:rPr lang="en-US" smtClean="0"/>
+              <a:rPr lang="en-US"/>
               <a:t>Fifth level</a:t>
             </a:r>
-            <a:endParaRPr lang="en-US"/>
           </a:p>
         </p:txBody>
       </p:sp>
@@ -2328,7 +2316,7 @@
           <a:lstStyle/>
           <a:p>
             <a:r>
-              <a:rPr lang="en-US" smtClean="0"/>
+              <a:rPr lang="en-US"/>
               <a:t>Click to edit Master title style</a:t>
             </a:r>
             <a:endParaRPr lang="en-US" dirty="0"/>
@@ -2391,7 +2379,7 @@
           <a:lstStyle/>
           <a:p>
             <a:r>
-              <a:rPr lang="en-US" smtClean="0"/>
+              <a:rPr lang="en-US"/>
               <a:t>Click to edit Master title style</a:t>
             </a:r>
             <a:endParaRPr lang="en-US" dirty="0"/>
@@ -2486,10 +2474,9 @@
           </a:lstStyle>
           <a:p>
             <a:r>
-              <a:rPr lang="en-US" smtClean="0"/>
+              <a:rPr lang="en-US"/>
               <a:t>Click to edit Master title style</a:t>
             </a:r>
-            <a:endParaRPr lang="en-US"/>
           </a:p>
         </p:txBody>
       </p:sp>
@@ -2546,35 +2533,35 @@
           <a:p>
             <a:pPr lvl="0"/>
             <a:r>
-              <a:rPr lang="en-US" smtClean="0"/>
+              <a:rPr lang="en-US"/>
               <a:t>Click to edit Master text styles</a:t>
             </a:r>
           </a:p>
           <a:p>
             <a:pPr lvl="1"/>
             <a:r>
-              <a:rPr lang="en-US" smtClean="0"/>
+              <a:rPr lang="en-US"/>
               <a:t>Second level</a:t>
             </a:r>
           </a:p>
           <a:p>
             <a:pPr lvl="2"/>
             <a:r>
-              <a:rPr lang="en-US" smtClean="0"/>
+              <a:rPr lang="en-US"/>
               <a:t>Third level</a:t>
             </a:r>
           </a:p>
           <a:p>
             <a:pPr lvl="3"/>
             <a:r>
-              <a:rPr lang="en-US" smtClean="0"/>
+              <a:rPr lang="en-US"/>
               <a:t>Fourth level</a:t>
             </a:r>
           </a:p>
           <a:p>
             <a:pPr lvl="4"/>
             <a:r>
-              <a:rPr lang="en-US" smtClean="0"/>
+              <a:rPr lang="en-US"/>
               <a:t>Fifth level</a:t>
             </a:r>
             <a:endParaRPr lang="en-US" dirty="0"/>
@@ -2643,7 +2630,7 @@
           <a:p>
             <a:pPr lvl="0"/>
             <a:r>
-              <a:rPr lang="en-US" smtClean="0"/>
+              <a:rPr lang="en-US"/>
               <a:t>Click to edit Master text styles</a:t>
             </a:r>
           </a:p>
@@ -2695,10 +2682,9 @@
           <a:lstStyle/>
           <a:p>
             <a:r>
-              <a:rPr lang="en-US" smtClean="0"/>
+              <a:rPr lang="en-US"/>
               <a:t>Click to edit Master title style</a:t>
             </a:r>
-            <a:endParaRPr lang="en-US"/>
           </a:p>
         </p:txBody>
       </p:sp>
@@ -2719,38 +2705,37 @@
           <a:p>
             <a:pPr lvl="0"/>
             <a:r>
-              <a:rPr lang="en-US" smtClean="0"/>
+              <a:rPr lang="en-US"/>
               <a:t>Click to edit Master text styles</a:t>
             </a:r>
           </a:p>
           <a:p>
             <a:pPr lvl="1"/>
             <a:r>
-              <a:rPr lang="en-US" smtClean="0"/>
+              <a:rPr lang="en-US"/>
               <a:t>Second level</a:t>
             </a:r>
           </a:p>
           <a:p>
             <a:pPr lvl="2"/>
             <a:r>
-              <a:rPr lang="en-US" smtClean="0"/>
+              <a:rPr lang="en-US"/>
               <a:t>Third level</a:t>
             </a:r>
           </a:p>
           <a:p>
             <a:pPr lvl="3"/>
             <a:r>
-              <a:rPr lang="en-US" smtClean="0"/>
+              <a:rPr lang="en-US"/>
               <a:t>Fourth level</a:t>
             </a:r>
           </a:p>
           <a:p>
             <a:pPr lvl="4"/>
             <a:r>
-              <a:rPr lang="en-US" smtClean="0"/>
+              <a:rPr lang="en-US"/>
               <a:t>Fifth level</a:t>
             </a:r>
-            <a:endParaRPr lang="en-US"/>
           </a:p>
         </p:txBody>
       </p:sp>
@@ -2771,7 +2756,7 @@
           <a:p>
             <a:fld id="{9E9AFD63-10BD-4598-9E1E-9FFECB76D2D7}" type="datetimeFigureOut">
               <a:rPr lang="en-US" smtClean="0"/>
-              <a:t>12/9/2016</a:t>
+              <a:t>1/6/2020</a:t>
             </a:fld>
             <a:endParaRPr lang="en-US"/>
           </a:p>
@@ -2877,10 +2862,9 @@
           </a:lstStyle>
           <a:p>
             <a:r>
-              <a:rPr lang="en-US" smtClean="0"/>
+              <a:rPr lang="en-US"/>
               <a:t>Click to edit Master title style</a:t>
             </a:r>
-            <a:endParaRPr lang="en-US"/>
           </a:p>
         </p:txBody>
       </p:sp>
@@ -2945,10 +2929,9 @@
           </a:lstStyle>
           <a:p>
             <a:r>
-              <a:rPr lang="en-US" smtClean="0"/>
+              <a:rPr lang="en-US"/>
               <a:t>Drag picture to placeholder or click icon to add</a:t>
             </a:r>
-            <a:endParaRPr lang="en-US"/>
           </a:p>
         </p:txBody>
       </p:sp>
@@ -3014,7 +2997,7 @@
           <a:p>
             <a:pPr lvl="0"/>
             <a:r>
-              <a:rPr lang="en-US" smtClean="0"/>
+              <a:rPr lang="en-US"/>
               <a:t>Click to edit Master text styles</a:t>
             </a:r>
           </a:p>
@@ -3075,10 +3058,9 @@
           </a:lstStyle>
           <a:p>
             <a:r>
-              <a:rPr lang="en-US" smtClean="0"/>
+              <a:rPr lang="en-US"/>
               <a:t>Click to edit Master title style</a:t>
             </a:r>
-            <a:endParaRPr lang="en-US"/>
           </a:p>
         </p:txBody>
       </p:sp>
@@ -3195,7 +3177,7 @@
           <a:p>
             <a:pPr lvl="0"/>
             <a:r>
-              <a:rPr lang="en-US" smtClean="0"/>
+              <a:rPr lang="en-US"/>
               <a:t>Click to edit Master text styles</a:t>
             </a:r>
           </a:p>
@@ -3218,7 +3200,7 @@
           <a:p>
             <a:fld id="{9E9AFD63-10BD-4598-9E1E-9FFECB76D2D7}" type="datetimeFigureOut">
               <a:rPr lang="en-US" smtClean="0"/>
-              <a:t>12/9/2016</a:t>
+              <a:t>1/6/2020</a:t>
             </a:fld>
             <a:endParaRPr lang="en-US"/>
           </a:p>
@@ -3312,10 +3294,9 @@
           <a:lstStyle/>
           <a:p>
             <a:r>
-              <a:rPr lang="en-US" smtClean="0"/>
+              <a:rPr lang="en-US"/>
               <a:t>Click to edit Master title style</a:t>
             </a:r>
-            <a:endParaRPr lang="en-US"/>
           </a:p>
         </p:txBody>
       </p:sp>
@@ -3369,38 +3350,37 @@
           <a:p>
             <a:pPr lvl="0"/>
             <a:r>
-              <a:rPr lang="en-US" smtClean="0"/>
+              <a:rPr lang="en-US"/>
               <a:t>Click to edit Master text styles</a:t>
             </a:r>
           </a:p>
           <a:p>
             <a:pPr lvl="1"/>
             <a:r>
-              <a:rPr lang="en-US" smtClean="0"/>
+              <a:rPr lang="en-US"/>
               <a:t>Second level</a:t>
             </a:r>
           </a:p>
           <a:p>
             <a:pPr lvl="2"/>
             <a:r>
-              <a:rPr lang="en-US" smtClean="0"/>
+              <a:rPr lang="en-US"/>
               <a:t>Third level</a:t>
             </a:r>
           </a:p>
           <a:p>
             <a:pPr lvl="3"/>
             <a:r>
-              <a:rPr lang="en-US" smtClean="0"/>
+              <a:rPr lang="en-US"/>
               <a:t>Fourth level</a:t>
             </a:r>
           </a:p>
           <a:p>
             <a:pPr lvl="4"/>
             <a:r>
-              <a:rPr lang="en-US" smtClean="0"/>
+              <a:rPr lang="en-US"/>
               <a:t>Fifth level</a:t>
             </a:r>
-            <a:endParaRPr lang="en-US"/>
           </a:p>
         </p:txBody>
       </p:sp>
@@ -3454,38 +3434,37 @@
           <a:p>
             <a:pPr lvl="0"/>
             <a:r>
-              <a:rPr lang="en-US" smtClean="0"/>
+              <a:rPr lang="en-US"/>
               <a:t>Click to edit Master text styles</a:t>
             </a:r>
           </a:p>
           <a:p>
             <a:pPr lvl="1"/>
             <a:r>
-              <a:rPr lang="en-US" smtClean="0"/>
+              <a:rPr lang="en-US"/>
               <a:t>Second level</a:t>
             </a:r>
           </a:p>
           <a:p>
             <a:pPr lvl="2"/>
             <a:r>
-              <a:rPr lang="en-US" smtClean="0"/>
+              <a:rPr lang="en-US"/>
               <a:t>Third level</a:t>
             </a:r>
           </a:p>
           <a:p>
             <a:pPr lvl="3"/>
             <a:r>
-              <a:rPr lang="en-US" smtClean="0"/>
+              <a:rPr lang="en-US"/>
               <a:t>Fourth level</a:t>
             </a:r>
           </a:p>
           <a:p>
             <a:pPr lvl="4"/>
             <a:r>
-              <a:rPr lang="en-US" smtClean="0"/>
+              <a:rPr lang="en-US"/>
               <a:t>Fifth level</a:t>
             </a:r>
-            <a:endParaRPr lang="en-US"/>
           </a:p>
         </p:txBody>
       </p:sp>
@@ -3506,7 +3485,7 @@
           <a:p>
             <a:fld id="{9E9AFD63-10BD-4598-9E1E-9FFECB76D2D7}" type="datetimeFigureOut">
               <a:rPr lang="en-US" smtClean="0"/>
-              <a:t>12/9/2016</a:t>
+              <a:t>1/6/2020</a:t>
             </a:fld>
             <a:endParaRPr lang="en-US"/>
           </a:p>
@@ -3604,10 +3583,9 @@
           </a:lstStyle>
           <a:p>
             <a:r>
-              <a:rPr lang="en-US" smtClean="0"/>
+              <a:rPr lang="en-US"/>
               <a:t>Click to edit Master title style</a:t>
             </a:r>
-            <a:endParaRPr lang="en-US"/>
           </a:p>
         </p:txBody>
       </p:sp>
@@ -3670,7 +3648,7 @@
           <a:p>
             <a:pPr lvl="0"/>
             <a:r>
-              <a:rPr lang="en-US" smtClean="0"/>
+              <a:rPr lang="en-US"/>
               <a:t>Click to edit Master text styles</a:t>
             </a:r>
           </a:p>
@@ -3726,38 +3704,37 @@
           <a:p>
             <a:pPr lvl="0"/>
             <a:r>
-              <a:rPr lang="en-US" smtClean="0"/>
+              <a:rPr lang="en-US"/>
               <a:t>Click to edit Master text styles</a:t>
             </a:r>
           </a:p>
           <a:p>
             <a:pPr lvl="1"/>
             <a:r>
-              <a:rPr lang="en-US" smtClean="0"/>
+              <a:rPr lang="en-US"/>
               <a:t>Second level</a:t>
             </a:r>
           </a:p>
           <a:p>
             <a:pPr lvl="2"/>
             <a:r>
-              <a:rPr lang="en-US" smtClean="0"/>
+              <a:rPr lang="en-US"/>
               <a:t>Third level</a:t>
             </a:r>
           </a:p>
           <a:p>
             <a:pPr lvl="3"/>
             <a:r>
-              <a:rPr lang="en-US" smtClean="0"/>
+              <a:rPr lang="en-US"/>
               <a:t>Fourth level</a:t>
             </a:r>
           </a:p>
           <a:p>
             <a:pPr lvl="4"/>
             <a:r>
-              <a:rPr lang="en-US" smtClean="0"/>
+              <a:rPr lang="en-US"/>
               <a:t>Fifth level</a:t>
             </a:r>
-            <a:endParaRPr lang="en-US"/>
           </a:p>
         </p:txBody>
       </p:sp>
@@ -3820,7 +3797,7 @@
           <a:p>
             <a:pPr lvl="0"/>
             <a:r>
-              <a:rPr lang="en-US" smtClean="0"/>
+              <a:rPr lang="en-US"/>
               <a:t>Click to edit Master text styles</a:t>
             </a:r>
           </a:p>
@@ -3876,38 +3853,37 @@
           <a:p>
             <a:pPr lvl="0"/>
             <a:r>
-              <a:rPr lang="en-US" smtClean="0"/>
+              <a:rPr lang="en-US"/>
               <a:t>Click to edit Master text styles</a:t>
             </a:r>
           </a:p>
           <a:p>
             <a:pPr lvl="1"/>
             <a:r>
-              <a:rPr lang="en-US" smtClean="0"/>
+              <a:rPr lang="en-US"/>
               <a:t>Second level</a:t>
             </a:r>
           </a:p>
           <a:p>
             <a:pPr lvl="2"/>
             <a:r>
-              <a:rPr lang="en-US" smtClean="0"/>
+              <a:rPr lang="en-US"/>
               <a:t>Third level</a:t>
             </a:r>
           </a:p>
           <a:p>
             <a:pPr lvl="3"/>
             <a:r>
-              <a:rPr lang="en-US" smtClean="0"/>
+              <a:rPr lang="en-US"/>
               <a:t>Fourth level</a:t>
             </a:r>
           </a:p>
           <a:p>
             <a:pPr lvl="4"/>
             <a:r>
-              <a:rPr lang="en-US" smtClean="0"/>
+              <a:rPr lang="en-US"/>
               <a:t>Fifth level</a:t>
             </a:r>
-            <a:endParaRPr lang="en-US"/>
           </a:p>
         </p:txBody>
       </p:sp>
@@ -3928,7 +3904,7 @@
           <a:p>
             <a:fld id="{9E9AFD63-10BD-4598-9E1E-9FFECB76D2D7}" type="datetimeFigureOut">
               <a:rPr lang="en-US" smtClean="0"/>
-              <a:t>12/9/2016</a:t>
+              <a:t>1/6/2020</a:t>
             </a:fld>
             <a:endParaRPr lang="en-US"/>
           </a:p>
@@ -4022,10 +3998,9 @@
           <a:lstStyle/>
           <a:p>
             <a:r>
-              <a:rPr lang="en-US" smtClean="0"/>
+              <a:rPr lang="en-US"/>
               <a:t>Click to edit Master title style</a:t>
             </a:r>
-            <a:endParaRPr lang="en-US"/>
           </a:p>
         </p:txBody>
       </p:sp>
@@ -4046,7 +4021,7 @@
           <a:p>
             <a:fld id="{9E9AFD63-10BD-4598-9E1E-9FFECB76D2D7}" type="datetimeFigureOut">
               <a:rPr lang="en-US" smtClean="0"/>
-              <a:t>12/9/2016</a:t>
+              <a:t>1/6/2020</a:t>
             </a:fld>
             <a:endParaRPr lang="en-US"/>
           </a:p>
@@ -4141,7 +4116,7 @@
           <a:p>
             <a:fld id="{9E9AFD63-10BD-4598-9E1E-9FFECB76D2D7}" type="datetimeFigureOut">
               <a:rPr lang="en-US" smtClean="0"/>
-              <a:t>12/9/2016</a:t>
+              <a:t>1/6/2020</a:t>
             </a:fld>
             <a:endParaRPr lang="en-US"/>
           </a:p>
@@ -4244,10 +4219,9 @@
           </a:lstStyle>
           <a:p>
             <a:r>
-              <a:rPr lang="en-US" smtClean="0"/>
+              <a:rPr lang="en-US"/>
               <a:t>Click to edit Master title style</a:t>
             </a:r>
-            <a:endParaRPr lang="en-US"/>
           </a:p>
         </p:txBody>
       </p:sp>
@@ -4301,38 +4275,37 @@
           <a:p>
             <a:pPr lvl="0"/>
             <a:r>
-              <a:rPr lang="en-US" smtClean="0"/>
+              <a:rPr lang="en-US"/>
               <a:t>Click to edit Master text styles</a:t>
             </a:r>
           </a:p>
           <a:p>
             <a:pPr lvl="1"/>
             <a:r>
-              <a:rPr lang="en-US" smtClean="0"/>
+              <a:rPr lang="en-US"/>
               <a:t>Second level</a:t>
             </a:r>
           </a:p>
           <a:p>
             <a:pPr lvl="2"/>
             <a:r>
-              <a:rPr lang="en-US" smtClean="0"/>
+              <a:rPr lang="en-US"/>
               <a:t>Third level</a:t>
             </a:r>
           </a:p>
           <a:p>
             <a:pPr lvl="3"/>
             <a:r>
-              <a:rPr lang="en-US" smtClean="0"/>
+              <a:rPr lang="en-US"/>
               <a:t>Fourth level</a:t>
             </a:r>
           </a:p>
           <a:p>
             <a:pPr lvl="4"/>
             <a:r>
-              <a:rPr lang="en-US" smtClean="0"/>
+              <a:rPr lang="en-US"/>
               <a:t>Fifth level</a:t>
             </a:r>
-            <a:endParaRPr lang="en-US"/>
           </a:p>
         </p:txBody>
       </p:sp>
@@ -4395,7 +4368,7 @@
           <a:p>
             <a:pPr lvl="0"/>
             <a:r>
-              <a:rPr lang="en-US" smtClean="0"/>
+              <a:rPr lang="en-US"/>
               <a:t>Click to edit Master text styles</a:t>
             </a:r>
           </a:p>
@@ -4418,7 +4391,7 @@
           <a:p>
             <a:fld id="{9E9AFD63-10BD-4598-9E1E-9FFECB76D2D7}" type="datetimeFigureOut">
               <a:rPr lang="en-US" smtClean="0"/>
-              <a:t>12/9/2016</a:t>
+              <a:t>1/6/2020</a:t>
             </a:fld>
             <a:endParaRPr lang="en-US"/>
           </a:p>
@@ -4521,10 +4494,9 @@
           </a:lstStyle>
           <a:p>
             <a:r>
-              <a:rPr lang="en-US" smtClean="0"/>
+              <a:rPr lang="en-US"/>
               <a:t>Click to edit Master title style</a:t>
             </a:r>
-            <a:endParaRPr lang="en-US"/>
           </a:p>
         </p:txBody>
       </p:sp>
@@ -4648,7 +4620,7 @@
           <a:p>
             <a:pPr lvl="0"/>
             <a:r>
-              <a:rPr lang="en-US" smtClean="0"/>
+              <a:rPr lang="en-US"/>
               <a:t>Click to edit Master text styles</a:t>
             </a:r>
           </a:p>
@@ -4671,7 +4643,7 @@
           <a:p>
             <a:fld id="{9E9AFD63-10BD-4598-9E1E-9FFECB76D2D7}" type="datetimeFigureOut">
               <a:rPr lang="en-US" smtClean="0"/>
-              <a:t>12/9/2016</a:t>
+              <a:t>1/6/2020</a:t>
             </a:fld>
             <a:endParaRPr lang="en-US"/>
           </a:p>
@@ -4780,10 +4752,9 @@
           <a:lstStyle/>
           <a:p>
             <a:r>
-              <a:rPr lang="en-US" smtClean="0"/>
+              <a:rPr lang="en-US"/>
               <a:t>Click to edit Master title style</a:t>
             </a:r>
-            <a:endParaRPr lang="en-US"/>
           </a:p>
         </p:txBody>
       </p:sp>
@@ -4814,38 +4785,37 @@
           <a:p>
             <a:pPr lvl="0"/>
             <a:r>
-              <a:rPr lang="en-US" smtClean="0"/>
+              <a:rPr lang="en-US"/>
               <a:t>Click to edit Master text styles</a:t>
             </a:r>
           </a:p>
           <a:p>
             <a:pPr lvl="1"/>
             <a:r>
-              <a:rPr lang="en-US" smtClean="0"/>
+              <a:rPr lang="en-US"/>
               <a:t>Second level</a:t>
             </a:r>
           </a:p>
           <a:p>
             <a:pPr lvl="2"/>
             <a:r>
-              <a:rPr lang="en-US" smtClean="0"/>
+              <a:rPr lang="en-US"/>
               <a:t>Third level</a:t>
             </a:r>
           </a:p>
           <a:p>
             <a:pPr lvl="3"/>
             <a:r>
-              <a:rPr lang="en-US" smtClean="0"/>
+              <a:rPr lang="en-US"/>
               <a:t>Fourth level</a:t>
             </a:r>
           </a:p>
           <a:p>
             <a:pPr lvl="4"/>
             <a:r>
-              <a:rPr lang="en-US" smtClean="0"/>
+              <a:rPr lang="en-US"/>
               <a:t>Fifth level</a:t>
             </a:r>
-            <a:endParaRPr lang="en-US"/>
           </a:p>
         </p:txBody>
       </p:sp>
@@ -4884,7 +4854,7 @@
           <a:p>
             <a:fld id="{9E9AFD63-10BD-4598-9E1E-9FFECB76D2D7}" type="datetimeFigureOut">
               <a:rPr lang="en-US" smtClean="0"/>
-              <a:t>12/9/2016</a:t>
+              <a:t>1/6/2020</a:t>
             </a:fld>
             <a:endParaRPr lang="en-US"/>
           </a:p>
@@ -5380,10 +5350,10 @@
                 <a:ea typeface="ＭＳ Ｐゴシック" pitchFamily="-106" charset="-128"/>
                 <a:cs typeface="ＭＳ Ｐゴシック" pitchFamily="-106" charset="-128"/>
               </a:rPr>
-              <a:t>Copyright </a:t>
-            </a:r>
-            <a:r>
-              <a:rPr lang="en-US" sz="600" dirty="0" smtClean="0">
+              <a:t>Copyright 2014. All rights reserved. Applied </a:t>
+            </a:r>
+            <a:r>
+              <a:rPr lang="en-US" sz="600" dirty="0" err="1">
                 <a:solidFill>
                   <a:prstClr val="black">
                     <a:lumMod val="65000"/>
@@ -5395,7 +5365,7 @@
                 <a:ea typeface="ＭＳ Ｐゴシック" pitchFamily="-106" charset="-128"/>
                 <a:cs typeface="ＭＳ Ｐゴシック" pitchFamily="-106" charset="-128"/>
               </a:rPr>
-              <a:t>2014. </a:t>
+              <a:t>ReArch</a:t>
             </a:r>
             <a:r>
               <a:rPr lang="en-US" sz="600" dirty="0">
@@ -5410,52 +5380,7 @@
                 <a:ea typeface="ＭＳ Ｐゴシック" pitchFamily="-106" charset="-128"/>
                 <a:cs typeface="ＭＳ Ｐゴシック" pitchFamily="-106" charset="-128"/>
               </a:rPr>
-              <a:t>All rights reserved. Applied </a:t>
-            </a:r>
-            <a:r>
-              <a:rPr lang="en-US" sz="600" dirty="0" err="1" smtClean="0">
-                <a:solidFill>
-                  <a:prstClr val="black">
-                    <a:lumMod val="65000"/>
-                    <a:lumOff val="35000"/>
-                    <a:alpha val="30000"/>
-                  </a:prstClr>
-                </a:solidFill>
-                <a:latin typeface="Arial" pitchFamily="-108" charset="0"/>
-                <a:ea typeface="ＭＳ Ｐゴシック" pitchFamily="-106" charset="-128"/>
-                <a:cs typeface="ＭＳ Ｐゴシック" pitchFamily="-106" charset="-128"/>
-              </a:rPr>
-              <a:t>ReArch</a:t>
-            </a:r>
-            <a:r>
-              <a:rPr lang="en-US" sz="600" dirty="0" smtClean="0">
-                <a:solidFill>
-                  <a:prstClr val="black">
-                    <a:lumMod val="65000"/>
-                    <a:lumOff val="35000"/>
-                    <a:alpha val="30000"/>
-                  </a:prstClr>
-                </a:solidFill>
-                <a:latin typeface="Arial" pitchFamily="-108" charset="0"/>
-                <a:ea typeface="ＭＳ Ｐゴシック" pitchFamily="-106" charset="-128"/>
-                <a:cs typeface="ＭＳ Ｐゴシック" pitchFamily="-106" charset="-128"/>
-              </a:rPr>
-              <a:t> </a:t>
-            </a:r>
-            <a:r>
-              <a:rPr lang="en-US" sz="600" dirty="0">
-                <a:solidFill>
-                  <a:prstClr val="black">
-                    <a:lumMod val="65000"/>
-                    <a:lumOff val="35000"/>
-                    <a:alpha val="30000"/>
-                  </a:prstClr>
-                </a:solidFill>
-                <a:latin typeface="Arial" pitchFamily="-108" charset="0"/>
-                <a:ea typeface="ＭＳ Ｐゴシック" pitchFamily="-106" charset="-128"/>
-                <a:cs typeface="ＭＳ Ｐゴシック" pitchFamily="-106" charset="-128"/>
-              </a:rPr>
-              <a:t>Associates, Inc.</a:t>
+              <a:t> Associates, Inc.</a:t>
             </a:r>
           </a:p>
         </p:txBody>
@@ -5538,35 +5463,35 @@
           <a:p>
             <a:pPr lvl="0"/>
             <a:r>
-              <a:rPr lang="en-US" smtClean="0"/>
+              <a:rPr lang="en-US"/>
               <a:t>Click to edit Master text styles</a:t>
             </a:r>
           </a:p>
           <a:p>
             <a:pPr lvl="1"/>
             <a:r>
-              <a:rPr lang="en-US" smtClean="0"/>
+              <a:rPr lang="en-US"/>
               <a:t>Second level</a:t>
             </a:r>
           </a:p>
           <a:p>
             <a:pPr lvl="2"/>
             <a:r>
-              <a:rPr lang="en-US" smtClean="0"/>
+              <a:rPr lang="en-US"/>
               <a:t>Third level</a:t>
             </a:r>
           </a:p>
           <a:p>
             <a:pPr lvl="3"/>
             <a:r>
-              <a:rPr lang="en-US" smtClean="0"/>
+              <a:rPr lang="en-US"/>
               <a:t>Fourth level</a:t>
             </a:r>
           </a:p>
           <a:p>
             <a:pPr lvl="4"/>
             <a:r>
-              <a:rPr lang="en-US" smtClean="0"/>
+              <a:rPr lang="en-US"/>
               <a:t>Fifth level</a:t>
             </a:r>
             <a:endParaRPr lang="en-US" dirty="0"/>
@@ -5599,7 +5524,7 @@
           <a:lstStyle/>
           <a:p>
             <a:r>
-              <a:rPr lang="en-US" smtClean="0"/>
+              <a:rPr lang="en-US"/>
               <a:t>Click to edit Master title style</a:t>
             </a:r>
             <a:endParaRPr lang="en-US" dirty="0"/>
@@ -6096,25 +6021,25 @@
           <p:nvPr>
             <p:extLst>
               <p:ext uri="{D42A27DB-BD31-4B8C-83A1-F6EECF244321}">
-                <p14:modId xmlns:p14="http://schemas.microsoft.com/office/powerpoint/2010/main" val="1984881977"/>
+                <p14:modId xmlns:p14="http://schemas.microsoft.com/office/powerpoint/2010/main" val="2924718860"/>
               </p:ext>
             </p:extLst>
           </p:nvPr>
         </p:nvGraphicFramePr>
         <p:xfrm>
-          <a:off x="457200" y="152400"/>
-          <a:ext cx="6591301" cy="12039600"/>
+          <a:off x="457200" y="-238125"/>
+          <a:ext cx="6591300" cy="12820650"/>
         </p:xfrm>
         <a:graphic>
           <a:graphicData uri="http://schemas.openxmlformats.org/presentationml/2006/ole">
             <mc:AlternateContent xmlns:mc="http://schemas.openxmlformats.org/markup-compatibility/2006">
               <mc:Choice xmlns:v="urn:schemas-microsoft-com:vml" Requires="v">
-                <p:oleObj spid="_x0000_s1042" name="Equation" r:id="rId3" imgW="4394160" imgH="8026200" progId="Equation.DSMT4">
+                <p:oleObj spid="_x0000_s1046" name="Equation" r:id="rId3" imgW="4394160" imgH="8546760" progId="Equation.DSMT4">
                   <p:embed/>
                 </p:oleObj>
               </mc:Choice>
               <mc:Fallback>
-                <p:oleObj name="Equation" r:id="rId3" imgW="4394160" imgH="8026200" progId="Equation.DSMT4">
+                <p:oleObj name="Equation" r:id="rId3" imgW="4394160" imgH="8546760" progId="Equation.DSMT4">
                   <p:embed/>
                   <p:pic>
                     <p:nvPicPr>
@@ -6133,8 +6058,8 @@
                     </p:blipFill>
                     <p:spPr bwMode="auto">
                       <a:xfrm>
-                        <a:off x="457200" y="152400"/>
-                        <a:ext cx="6591301" cy="12039600"/>
+                        <a:off x="457200" y="-238125"/>
+                        <a:ext cx="6591300" cy="12820650"/>
                       </a:xfrm>
                       <a:prstGeom prst="rect">
                         <a:avLst/>

--- a/docs/Figures/PatientWorking.pptx
+++ b/docs/Figures/PatientWorking.pptx
@@ -209,7 +209,7 @@
           <a:p>
             <a:fld id="{7B126BB8-5932-4ACC-8CD5-328D9DA138C9}" type="datetimeFigureOut">
               <a:rPr lang="en-US" smtClean="0"/>
-              <a:t>1/6/2020</a:t>
+              <a:t>3/27/2023</a:t>
             </a:fld>
             <a:endParaRPr lang="en-US"/>
           </a:p>
@@ -655,7 +655,7 @@
           <a:p>
             <a:fld id="{9E9AFD63-10BD-4598-9E1E-9FFECB76D2D7}" type="datetimeFigureOut">
               <a:rPr lang="en-US" smtClean="0"/>
-              <a:t>1/6/2020</a:t>
+              <a:t>3/27/2023</a:t>
             </a:fld>
             <a:endParaRPr lang="en-US"/>
           </a:p>
@@ -823,7 +823,7 @@
           <a:p>
             <a:fld id="{9E9AFD63-10BD-4598-9E1E-9FFECB76D2D7}" type="datetimeFigureOut">
               <a:rPr lang="en-US" smtClean="0"/>
-              <a:t>1/6/2020</a:t>
+              <a:t>3/27/2023</a:t>
             </a:fld>
             <a:endParaRPr lang="en-US"/>
           </a:p>
@@ -1001,7 +1001,7 @@
           <a:p>
             <a:fld id="{9E9AFD63-10BD-4598-9E1E-9FFECB76D2D7}" type="datetimeFigureOut">
               <a:rPr lang="en-US" smtClean="0"/>
-              <a:t>1/6/2020</a:t>
+              <a:t>3/27/2023</a:t>
             </a:fld>
             <a:endParaRPr lang="en-US"/>
           </a:p>
@@ -2756,7 +2756,7 @@
           <a:p>
             <a:fld id="{9E9AFD63-10BD-4598-9E1E-9FFECB76D2D7}" type="datetimeFigureOut">
               <a:rPr lang="en-US" smtClean="0"/>
-              <a:t>1/6/2020</a:t>
+              <a:t>3/27/2023</a:t>
             </a:fld>
             <a:endParaRPr lang="en-US"/>
           </a:p>
@@ -3200,7 +3200,7 @@
           <a:p>
             <a:fld id="{9E9AFD63-10BD-4598-9E1E-9FFECB76D2D7}" type="datetimeFigureOut">
               <a:rPr lang="en-US" smtClean="0"/>
-              <a:t>1/6/2020</a:t>
+              <a:t>3/27/2023</a:t>
             </a:fld>
             <a:endParaRPr lang="en-US"/>
           </a:p>
@@ -3485,7 +3485,7 @@
           <a:p>
             <a:fld id="{9E9AFD63-10BD-4598-9E1E-9FFECB76D2D7}" type="datetimeFigureOut">
               <a:rPr lang="en-US" smtClean="0"/>
-              <a:t>1/6/2020</a:t>
+              <a:t>3/27/2023</a:t>
             </a:fld>
             <a:endParaRPr lang="en-US"/>
           </a:p>
@@ -3904,7 +3904,7 @@
           <a:p>
             <a:fld id="{9E9AFD63-10BD-4598-9E1E-9FFECB76D2D7}" type="datetimeFigureOut">
               <a:rPr lang="en-US" smtClean="0"/>
-              <a:t>1/6/2020</a:t>
+              <a:t>3/27/2023</a:t>
             </a:fld>
             <a:endParaRPr lang="en-US"/>
           </a:p>
@@ -4021,7 +4021,7 @@
           <a:p>
             <a:fld id="{9E9AFD63-10BD-4598-9E1E-9FFECB76D2D7}" type="datetimeFigureOut">
               <a:rPr lang="en-US" smtClean="0"/>
-              <a:t>1/6/2020</a:t>
+              <a:t>3/27/2023</a:t>
             </a:fld>
             <a:endParaRPr lang="en-US"/>
           </a:p>
@@ -4116,7 +4116,7 @@
           <a:p>
             <a:fld id="{9E9AFD63-10BD-4598-9E1E-9FFECB76D2D7}" type="datetimeFigureOut">
               <a:rPr lang="en-US" smtClean="0"/>
-              <a:t>1/6/2020</a:t>
+              <a:t>3/27/2023</a:t>
             </a:fld>
             <a:endParaRPr lang="en-US"/>
           </a:p>
@@ -4391,7 +4391,7 @@
           <a:p>
             <a:fld id="{9E9AFD63-10BD-4598-9E1E-9FFECB76D2D7}" type="datetimeFigureOut">
               <a:rPr lang="en-US" smtClean="0"/>
-              <a:t>1/6/2020</a:t>
+              <a:t>3/27/2023</a:t>
             </a:fld>
             <a:endParaRPr lang="en-US"/>
           </a:p>
@@ -4643,7 +4643,7 @@
           <a:p>
             <a:fld id="{9E9AFD63-10BD-4598-9E1E-9FFECB76D2D7}" type="datetimeFigureOut">
               <a:rPr lang="en-US" smtClean="0"/>
-              <a:t>1/6/2020</a:t>
+              <a:t>3/27/2023</a:t>
             </a:fld>
             <a:endParaRPr lang="en-US"/>
           </a:p>
@@ -4854,7 +4854,7 @@
           <a:p>
             <a:fld id="{9E9AFD63-10BD-4598-9E1E-9FFECB76D2D7}" type="datetimeFigureOut">
               <a:rPr lang="en-US" smtClean="0"/>
-              <a:t>1/6/2020</a:t>
+              <a:t>3/27/2023</a:t>
             </a:fld>
             <a:endParaRPr lang="en-US"/>
           </a:p>
@@ -6021,25 +6021,25 @@
           <p:nvPr>
             <p:extLst>
               <p:ext uri="{D42A27DB-BD31-4B8C-83A1-F6EECF244321}">
-                <p14:modId xmlns:p14="http://schemas.microsoft.com/office/powerpoint/2010/main" val="2924718860"/>
+                <p14:modId xmlns:p14="http://schemas.microsoft.com/office/powerpoint/2010/main" val="3096570638"/>
               </p:ext>
             </p:extLst>
           </p:nvPr>
         </p:nvGraphicFramePr>
         <p:xfrm>
-          <a:off x="457200" y="-238125"/>
-          <a:ext cx="6591300" cy="12820650"/>
+          <a:off x="457200" y="-581025"/>
+          <a:ext cx="6591300" cy="13506450"/>
         </p:xfrm>
         <a:graphic>
           <a:graphicData uri="http://schemas.openxmlformats.org/presentationml/2006/ole">
             <mc:AlternateContent xmlns:mc="http://schemas.openxmlformats.org/markup-compatibility/2006">
               <mc:Choice xmlns:v="urn:schemas-microsoft-com:vml" Requires="v">
-                <p:oleObj spid="_x0000_s1046" name="Equation" r:id="rId3" imgW="4394160" imgH="8546760" progId="Equation.DSMT4">
+                <p:oleObj name="Equation" r:id="rId2" imgW="4394160" imgH="9003960" progId="Equation.DSMT4">
                   <p:embed/>
                 </p:oleObj>
               </mc:Choice>
               <mc:Fallback>
-                <p:oleObj name="Equation" r:id="rId3" imgW="4394160" imgH="8546760" progId="Equation.DSMT4">
+                <p:oleObj name="Equation" r:id="rId2" imgW="4394160" imgH="9003960" progId="Equation.DSMT4">
                   <p:embed/>
                   <p:pic>
                     <p:nvPicPr>
@@ -6050,7 +6050,7 @@
                       <p:nvPr/>
                     </p:nvPicPr>
                     <p:blipFill>
-                      <a:blip r:embed="rId4"/>
+                      <a:blip r:embed="rId3"/>
                       <a:srcRect/>
                       <a:stretch>
                         <a:fillRect/>
@@ -6058,8 +6058,8 @@
                     </p:blipFill>
                     <p:spPr bwMode="auto">
                       <a:xfrm>
-                        <a:off x="457200" y="-238125"/>
-                        <a:ext cx="6591300" cy="12820650"/>
+                        <a:off x="457200" y="-581025"/>
+                        <a:ext cx="6591300" cy="13506450"/>
                       </a:xfrm>
                       <a:prstGeom prst="rect">
                         <a:avLst/>
